--- a/BGR-300/Figures.pptx
+++ b/BGR-300/Figures.pptx
@@ -6,6 +6,8 @@
   </p:sldMasterIdLst>
   <p:sldIdLst>
     <p:sldId id="256" r:id="rId2"/>
+    <p:sldId id="257" r:id="rId3"/>
+    <p:sldId id="258" r:id="rId4"/>
   </p:sldIdLst>
   <p:sldSz cx="9144000" cy="6858000" type="screen4x3"/>
   <p:notesSz cx="6858000" cy="9144000"/>
@@ -288,7 +290,7 @@
           <a:p>
             <a:fld id="{AA309A6D-C09C-4548-B29A-6CF363A7E532}" type="datetimeFigureOut">
               <a:rPr lang="fr-FR" smtClean="0"/>
-              <a:t>16/05/2018</a:t>
+              <a:t>17/05/2018</a:t>
             </a:fld>
             <a:endParaRPr lang="fr-BE"/>
           </a:p>
@@ -453,7 +455,7 @@
           <a:p>
             <a:fld id="{AA309A6D-C09C-4548-B29A-6CF363A7E532}" type="datetimeFigureOut">
               <a:rPr lang="fr-FR" smtClean="0"/>
-              <a:t>16/05/2018</a:t>
+              <a:t>17/05/2018</a:t>
             </a:fld>
             <a:endParaRPr lang="fr-BE"/>
           </a:p>
@@ -628,7 +630,7 @@
           <a:p>
             <a:fld id="{AA309A6D-C09C-4548-B29A-6CF363A7E532}" type="datetimeFigureOut">
               <a:rPr lang="fr-FR" smtClean="0"/>
-              <a:t>16/05/2018</a:t>
+              <a:t>17/05/2018</a:t>
             </a:fld>
             <a:endParaRPr lang="fr-BE"/>
           </a:p>
@@ -793,7 +795,7 @@
           <a:p>
             <a:fld id="{AA309A6D-C09C-4548-B29A-6CF363A7E532}" type="datetimeFigureOut">
               <a:rPr lang="fr-FR" smtClean="0"/>
-              <a:t>16/05/2018</a:t>
+              <a:t>17/05/2018</a:t>
             </a:fld>
             <a:endParaRPr lang="fr-BE"/>
           </a:p>
@@ -1034,7 +1036,7 @@
           <a:p>
             <a:fld id="{AA309A6D-C09C-4548-B29A-6CF363A7E532}" type="datetimeFigureOut">
               <a:rPr lang="fr-FR" smtClean="0"/>
-              <a:t>16/05/2018</a:t>
+              <a:t>17/05/2018</a:t>
             </a:fld>
             <a:endParaRPr lang="fr-BE"/>
           </a:p>
@@ -1317,7 +1319,7 @@
           <a:p>
             <a:fld id="{AA309A6D-C09C-4548-B29A-6CF363A7E532}" type="datetimeFigureOut">
               <a:rPr lang="fr-FR" smtClean="0"/>
-              <a:t>16/05/2018</a:t>
+              <a:t>17/05/2018</a:t>
             </a:fld>
             <a:endParaRPr lang="fr-BE"/>
           </a:p>
@@ -1734,7 +1736,7 @@
           <a:p>
             <a:fld id="{AA309A6D-C09C-4548-B29A-6CF363A7E532}" type="datetimeFigureOut">
               <a:rPr lang="fr-FR" smtClean="0"/>
-              <a:t>16/05/2018</a:t>
+              <a:t>17/05/2018</a:t>
             </a:fld>
             <a:endParaRPr lang="fr-BE"/>
           </a:p>
@@ -1847,7 +1849,7 @@
           <a:p>
             <a:fld id="{AA309A6D-C09C-4548-B29A-6CF363A7E532}" type="datetimeFigureOut">
               <a:rPr lang="fr-FR" smtClean="0"/>
-              <a:t>16/05/2018</a:t>
+              <a:t>17/05/2018</a:t>
             </a:fld>
             <a:endParaRPr lang="fr-BE"/>
           </a:p>
@@ -1937,7 +1939,7 @@
           <a:p>
             <a:fld id="{AA309A6D-C09C-4548-B29A-6CF363A7E532}" type="datetimeFigureOut">
               <a:rPr lang="fr-FR" smtClean="0"/>
-              <a:t>16/05/2018</a:t>
+              <a:t>17/05/2018</a:t>
             </a:fld>
             <a:endParaRPr lang="fr-BE"/>
           </a:p>
@@ -2209,7 +2211,7 @@
           <a:p>
             <a:fld id="{AA309A6D-C09C-4548-B29A-6CF363A7E532}" type="datetimeFigureOut">
               <a:rPr lang="fr-FR" smtClean="0"/>
-              <a:t>16/05/2018</a:t>
+              <a:t>17/05/2018</a:t>
             </a:fld>
             <a:endParaRPr lang="fr-BE"/>
           </a:p>
@@ -2457,7 +2459,7 @@
           <a:p>
             <a:fld id="{AA309A6D-C09C-4548-B29A-6CF363A7E532}" type="datetimeFigureOut">
               <a:rPr lang="fr-FR" smtClean="0"/>
-              <a:t>16/05/2018</a:t>
+              <a:t>17/05/2018</a:t>
             </a:fld>
             <a:endParaRPr lang="fr-BE"/>
           </a:p>
@@ -2665,7 +2667,7 @@
           <a:p>
             <a:fld id="{AA309A6D-C09C-4548-B29A-6CF363A7E532}" type="datetimeFigureOut">
               <a:rPr lang="fr-FR" smtClean="0"/>
-              <a:t>16/05/2018</a:t>
+              <a:t>17/05/2018</a:t>
             </a:fld>
             <a:endParaRPr lang="fr-BE"/>
           </a:p>
@@ -3089,10 +3091,1176 @@
           </a:extLst>
         </p:spPr>
       </p:pic>
+      <p:sp>
+        <p:nvSpPr>
+          <p:cNvPr id="2" name="Rectangle 1"/>
+          <p:cNvSpPr/>
+          <p:nvPr/>
+        </p:nvSpPr>
+        <p:spPr>
+          <a:xfrm>
+            <a:off x="683568" y="1628800"/>
+            <a:ext cx="648072" cy="360040"/>
+          </a:xfrm>
+          <a:prstGeom prst="rect">
+            <a:avLst/>
+          </a:prstGeom>
+          <a:noFill/>
+          <a:ln w="28575">
+            <a:solidFill>
+              <a:srgbClr val="FF0000"/>
+            </a:solidFill>
+          </a:ln>
+        </p:spPr>
+        <p:style>
+          <a:lnRef idx="2">
+            <a:schemeClr val="accent1">
+              <a:shade val="50000"/>
+            </a:schemeClr>
+          </a:lnRef>
+          <a:fillRef idx="1">
+            <a:schemeClr val="accent1"/>
+          </a:fillRef>
+          <a:effectRef idx="0">
+            <a:schemeClr val="accent1"/>
+          </a:effectRef>
+          <a:fontRef idx="minor">
+            <a:schemeClr val="lt1"/>
+          </a:fontRef>
+        </p:style>
+        <p:txBody>
+          <a:bodyPr rtlCol="0" anchor="ctr"/>
+          <a:lstStyle/>
+          <a:p>
+            <a:pPr algn="ctr"/>
+            <a:endParaRPr lang="fr-FR"/>
+          </a:p>
+        </p:txBody>
+      </p:sp>
+      <p:sp>
+        <p:nvSpPr>
+          <p:cNvPr id="5" name="Ellipse 4"/>
+          <p:cNvSpPr/>
+          <p:nvPr/>
+        </p:nvSpPr>
+        <p:spPr>
+          <a:xfrm>
+            <a:off x="4949728" y="2244619"/>
+            <a:ext cx="360040" cy="360040"/>
+          </a:xfrm>
+          <a:prstGeom prst="ellipse">
+            <a:avLst/>
+          </a:prstGeom>
+          <a:noFill/>
+          <a:ln w="28575">
+            <a:solidFill>
+              <a:srgbClr val="FF0000"/>
+            </a:solidFill>
+          </a:ln>
+        </p:spPr>
+        <p:style>
+          <a:lnRef idx="2">
+            <a:schemeClr val="accent1">
+              <a:shade val="50000"/>
+            </a:schemeClr>
+          </a:lnRef>
+          <a:fillRef idx="1">
+            <a:schemeClr val="accent1"/>
+          </a:fillRef>
+          <a:effectRef idx="0">
+            <a:schemeClr val="accent1"/>
+          </a:effectRef>
+          <a:fontRef idx="minor">
+            <a:schemeClr val="lt1"/>
+          </a:fontRef>
+        </p:style>
+        <p:txBody>
+          <a:bodyPr lIns="0" tIns="0" rIns="0" bIns="0" rtlCol="0" anchor="ctr"/>
+          <a:lstStyle/>
+          <a:p>
+            <a:pPr algn="ctr"/>
+            <a:r>
+              <a:rPr lang="fr-FR" sz="1600" b="1" dirty="0" smtClean="0">
+                <a:solidFill>
+                  <a:srgbClr val="FF0000"/>
+                </a:solidFill>
+              </a:rPr>
+              <a:t>2</a:t>
+            </a:r>
+            <a:endParaRPr lang="fr-FR" sz="1600" b="1" dirty="0">
+              <a:solidFill>
+                <a:srgbClr val="FF0000"/>
+              </a:solidFill>
+            </a:endParaRPr>
+          </a:p>
+        </p:txBody>
+      </p:sp>
+      <p:sp>
+        <p:nvSpPr>
+          <p:cNvPr id="6" name="Ellipse 5"/>
+          <p:cNvSpPr/>
+          <p:nvPr/>
+        </p:nvSpPr>
+        <p:spPr>
+          <a:xfrm>
+            <a:off x="899592" y="2042890"/>
+            <a:ext cx="360040" cy="360040"/>
+          </a:xfrm>
+          <a:prstGeom prst="ellipse">
+            <a:avLst/>
+          </a:prstGeom>
+          <a:noFill/>
+          <a:ln w="28575">
+            <a:solidFill>
+              <a:srgbClr val="FF0000"/>
+            </a:solidFill>
+          </a:ln>
+        </p:spPr>
+        <p:style>
+          <a:lnRef idx="2">
+            <a:schemeClr val="accent1">
+              <a:shade val="50000"/>
+            </a:schemeClr>
+          </a:lnRef>
+          <a:fillRef idx="1">
+            <a:schemeClr val="accent1"/>
+          </a:fillRef>
+          <a:effectRef idx="0">
+            <a:schemeClr val="accent1"/>
+          </a:effectRef>
+          <a:fontRef idx="minor">
+            <a:schemeClr val="lt1"/>
+          </a:fontRef>
+        </p:style>
+        <p:txBody>
+          <a:bodyPr lIns="0" tIns="0" rIns="0" bIns="0" rtlCol="0" anchor="ctr"/>
+          <a:lstStyle/>
+          <a:p>
+            <a:pPr algn="ctr"/>
+            <a:r>
+              <a:rPr lang="fr-FR" sz="1600" b="1" dirty="0" smtClean="0">
+                <a:solidFill>
+                  <a:srgbClr val="FF0000"/>
+                </a:solidFill>
+              </a:rPr>
+              <a:t>1</a:t>
+            </a:r>
+            <a:endParaRPr lang="fr-FR" sz="1600" b="1" dirty="0">
+              <a:solidFill>
+                <a:srgbClr val="FF0000"/>
+              </a:solidFill>
+            </a:endParaRPr>
+          </a:p>
+        </p:txBody>
+      </p:sp>
+      <p:sp>
+        <p:nvSpPr>
+          <p:cNvPr id="9" name="Ellipse 8"/>
+          <p:cNvSpPr/>
+          <p:nvPr/>
+        </p:nvSpPr>
+        <p:spPr>
+          <a:xfrm>
+            <a:off x="5652119" y="2244619"/>
+            <a:ext cx="360040" cy="360040"/>
+          </a:xfrm>
+          <a:prstGeom prst="ellipse">
+            <a:avLst/>
+          </a:prstGeom>
+          <a:noFill/>
+          <a:ln w="28575">
+            <a:solidFill>
+              <a:srgbClr val="FF0000"/>
+            </a:solidFill>
+          </a:ln>
+        </p:spPr>
+        <p:style>
+          <a:lnRef idx="2">
+            <a:schemeClr val="accent1">
+              <a:shade val="50000"/>
+            </a:schemeClr>
+          </a:lnRef>
+          <a:fillRef idx="1">
+            <a:schemeClr val="accent1"/>
+          </a:fillRef>
+          <a:effectRef idx="0">
+            <a:schemeClr val="accent1"/>
+          </a:effectRef>
+          <a:fontRef idx="minor">
+            <a:schemeClr val="lt1"/>
+          </a:fontRef>
+        </p:style>
+        <p:txBody>
+          <a:bodyPr lIns="0" tIns="0" rIns="0" bIns="0" rtlCol="0" anchor="ctr"/>
+          <a:lstStyle/>
+          <a:p>
+            <a:pPr algn="ctr"/>
+            <a:r>
+              <a:rPr lang="fr-FR" sz="1600" b="1" dirty="0" smtClean="0">
+                <a:solidFill>
+                  <a:srgbClr val="FF0000"/>
+                </a:solidFill>
+              </a:rPr>
+              <a:t>3</a:t>
+            </a:r>
+            <a:endParaRPr lang="fr-FR" sz="1600" b="1" dirty="0">
+              <a:solidFill>
+                <a:srgbClr val="FF0000"/>
+              </a:solidFill>
+            </a:endParaRPr>
+          </a:p>
+        </p:txBody>
+      </p:sp>
+      <p:sp>
+        <p:nvSpPr>
+          <p:cNvPr id="10" name="Rectangle 9"/>
+          <p:cNvSpPr/>
+          <p:nvPr/>
+        </p:nvSpPr>
+        <p:spPr>
+          <a:xfrm>
+            <a:off x="4921694" y="1988840"/>
+            <a:ext cx="1090465" cy="216024"/>
+          </a:xfrm>
+          <a:prstGeom prst="rect">
+            <a:avLst/>
+          </a:prstGeom>
+          <a:noFill/>
+          <a:ln w="28575">
+            <a:solidFill>
+              <a:srgbClr val="FF0000"/>
+            </a:solidFill>
+          </a:ln>
+        </p:spPr>
+        <p:style>
+          <a:lnRef idx="2">
+            <a:schemeClr val="accent1">
+              <a:shade val="50000"/>
+            </a:schemeClr>
+          </a:lnRef>
+          <a:fillRef idx="1">
+            <a:schemeClr val="accent1"/>
+          </a:fillRef>
+          <a:effectRef idx="0">
+            <a:schemeClr val="accent1"/>
+          </a:effectRef>
+          <a:fontRef idx="minor">
+            <a:schemeClr val="lt1"/>
+          </a:fontRef>
+        </p:style>
+        <p:txBody>
+          <a:bodyPr rtlCol="0" anchor="ctr"/>
+          <a:lstStyle/>
+          <a:p>
+            <a:pPr algn="ctr"/>
+            <a:endParaRPr lang="fr-FR"/>
+          </a:p>
+        </p:txBody>
+      </p:sp>
+      <p:sp>
+        <p:nvSpPr>
+          <p:cNvPr id="11" name="Ellipse 10"/>
+          <p:cNvSpPr/>
+          <p:nvPr/>
+        </p:nvSpPr>
+        <p:spPr>
+          <a:xfrm>
+            <a:off x="4944969" y="4581128"/>
+            <a:ext cx="360040" cy="360040"/>
+          </a:xfrm>
+          <a:prstGeom prst="ellipse">
+            <a:avLst/>
+          </a:prstGeom>
+          <a:noFill/>
+          <a:ln w="28575">
+            <a:solidFill>
+              <a:srgbClr val="FF0000"/>
+            </a:solidFill>
+          </a:ln>
+        </p:spPr>
+        <p:style>
+          <a:lnRef idx="2">
+            <a:schemeClr val="accent1">
+              <a:shade val="50000"/>
+            </a:schemeClr>
+          </a:lnRef>
+          <a:fillRef idx="1">
+            <a:schemeClr val="accent1"/>
+          </a:fillRef>
+          <a:effectRef idx="0">
+            <a:schemeClr val="accent1"/>
+          </a:effectRef>
+          <a:fontRef idx="minor">
+            <a:schemeClr val="lt1"/>
+          </a:fontRef>
+        </p:style>
+        <p:txBody>
+          <a:bodyPr lIns="0" tIns="0" rIns="0" bIns="0" rtlCol="0" anchor="ctr"/>
+          <a:lstStyle/>
+          <a:p>
+            <a:pPr algn="ctr"/>
+            <a:r>
+              <a:rPr lang="fr-FR" sz="1600" b="1" dirty="0" smtClean="0">
+                <a:solidFill>
+                  <a:srgbClr val="FF0000"/>
+                </a:solidFill>
+              </a:rPr>
+              <a:t>2’</a:t>
+            </a:r>
+            <a:endParaRPr lang="fr-FR" sz="1600" b="1" dirty="0">
+              <a:solidFill>
+                <a:srgbClr val="FF0000"/>
+              </a:solidFill>
+            </a:endParaRPr>
+          </a:p>
+        </p:txBody>
+      </p:sp>
+      <p:sp>
+        <p:nvSpPr>
+          <p:cNvPr id="12" name="Ellipse 11"/>
+          <p:cNvSpPr/>
+          <p:nvPr/>
+        </p:nvSpPr>
+        <p:spPr>
+          <a:xfrm>
+            <a:off x="5647360" y="4581128"/>
+            <a:ext cx="360040" cy="360040"/>
+          </a:xfrm>
+          <a:prstGeom prst="ellipse">
+            <a:avLst/>
+          </a:prstGeom>
+          <a:noFill/>
+          <a:ln w="28575">
+            <a:solidFill>
+              <a:srgbClr val="FF0000"/>
+            </a:solidFill>
+          </a:ln>
+        </p:spPr>
+        <p:style>
+          <a:lnRef idx="2">
+            <a:schemeClr val="accent1">
+              <a:shade val="50000"/>
+            </a:schemeClr>
+          </a:lnRef>
+          <a:fillRef idx="1">
+            <a:schemeClr val="accent1"/>
+          </a:fillRef>
+          <a:effectRef idx="0">
+            <a:schemeClr val="accent1"/>
+          </a:effectRef>
+          <a:fontRef idx="minor">
+            <a:schemeClr val="lt1"/>
+          </a:fontRef>
+        </p:style>
+        <p:txBody>
+          <a:bodyPr lIns="0" tIns="0" rIns="0" bIns="0" rtlCol="0" anchor="ctr"/>
+          <a:lstStyle/>
+          <a:p>
+            <a:pPr algn="ctr"/>
+            <a:r>
+              <a:rPr lang="fr-FR" sz="1600" b="1" dirty="0" smtClean="0">
+                <a:solidFill>
+                  <a:srgbClr val="FF0000"/>
+                </a:solidFill>
+              </a:rPr>
+              <a:t>3’</a:t>
+            </a:r>
+            <a:endParaRPr lang="fr-FR" sz="1600" b="1" dirty="0">
+              <a:solidFill>
+                <a:srgbClr val="FF0000"/>
+              </a:solidFill>
+            </a:endParaRPr>
+          </a:p>
+        </p:txBody>
+      </p:sp>
+      <p:sp>
+        <p:nvSpPr>
+          <p:cNvPr id="13" name="Rectangle 12"/>
+          <p:cNvSpPr/>
+          <p:nvPr/>
+        </p:nvSpPr>
+        <p:spPr>
+          <a:xfrm>
+            <a:off x="4916935" y="4988874"/>
+            <a:ext cx="1090465" cy="216024"/>
+          </a:xfrm>
+          <a:prstGeom prst="rect">
+            <a:avLst/>
+          </a:prstGeom>
+          <a:noFill/>
+          <a:ln w="28575">
+            <a:solidFill>
+              <a:srgbClr val="FF0000"/>
+            </a:solidFill>
+          </a:ln>
+        </p:spPr>
+        <p:style>
+          <a:lnRef idx="2">
+            <a:schemeClr val="accent1">
+              <a:shade val="50000"/>
+            </a:schemeClr>
+          </a:lnRef>
+          <a:fillRef idx="1">
+            <a:schemeClr val="accent1"/>
+          </a:fillRef>
+          <a:effectRef idx="0">
+            <a:schemeClr val="accent1"/>
+          </a:effectRef>
+          <a:fontRef idx="minor">
+            <a:schemeClr val="lt1"/>
+          </a:fontRef>
+        </p:style>
+        <p:txBody>
+          <a:bodyPr rtlCol="0" anchor="ctr"/>
+          <a:lstStyle/>
+          <a:p>
+            <a:pPr algn="ctr"/>
+            <a:endParaRPr lang="fr-FR"/>
+          </a:p>
+        </p:txBody>
+      </p:sp>
     </p:spTree>
     <p:extLst>
       <p:ext uri="{BB962C8B-B14F-4D97-AF65-F5344CB8AC3E}">
         <p14:creationId xmlns:p14="http://schemas.microsoft.com/office/powerpoint/2010/main" val="2590542004"/>
+      </p:ext>
+    </p:extLst>
+  </p:cSld>
+  <p:clrMapOvr>
+    <a:masterClrMapping/>
+  </p:clrMapOvr>
+</p:sld>
+</file>
+
+<file path=ppt/slides/slide2.xml><?xml version="1.0" encoding="utf-8"?>
+<p:sld xmlns:a="http://schemas.openxmlformats.org/drawingml/2006/main" xmlns:r="http://schemas.openxmlformats.org/officeDocument/2006/relationships" xmlns:p="http://schemas.openxmlformats.org/presentationml/2006/main">
+  <p:cSld>
+    <p:spTree>
+      <p:nvGrpSpPr>
+        <p:cNvPr id="1" name=""/>
+        <p:cNvGrpSpPr/>
+        <p:nvPr/>
+      </p:nvGrpSpPr>
+      <p:grpSpPr>
+        <a:xfrm>
+          <a:off x="0" y="0"/>
+          <a:ext cx="0" cy="0"/>
+          <a:chOff x="0" y="0"/>
+          <a:chExt cx="0" cy="0"/>
+        </a:xfrm>
+      </p:grpSpPr>
+      <p:pic>
+        <p:nvPicPr>
+          <p:cNvPr id="1026" name="Picture 2"/>
+          <p:cNvPicPr>
+            <a:picLocks noChangeAspect="1" noChangeArrowheads="1"/>
+          </p:cNvPicPr>
+          <p:nvPr/>
+        </p:nvPicPr>
+        <p:blipFill>
+          <a:blip r:embed="rId2">
+            <a:extLst>
+              <a:ext uri="{28A0092B-C50C-407E-A947-70E740481C1C}">
+                <a14:useLocalDpi xmlns:a14="http://schemas.microsoft.com/office/drawing/2010/main" val="0"/>
+              </a:ext>
+            </a:extLst>
+          </a:blip>
+          <a:srcRect/>
+          <a:stretch>
+            <a:fillRect/>
+          </a:stretch>
+        </p:blipFill>
+        <p:spPr bwMode="auto">
+          <a:xfrm>
+            <a:off x="899592" y="980728"/>
+            <a:ext cx="5732950" cy="4395638"/>
+          </a:xfrm>
+          <a:prstGeom prst="rect">
+            <a:avLst/>
+          </a:prstGeom>
+          <a:noFill/>
+          <a:ln>
+            <a:noFill/>
+          </a:ln>
+          <a:extLst>
+            <a:ext uri="{909E8E84-426E-40DD-AFC4-6F175D3DCCD1}">
+              <a14:hiddenFill xmlns:a14="http://schemas.microsoft.com/office/drawing/2010/main">
+                <a:solidFill>
+                  <a:schemeClr val="accent1"/>
+                </a:solidFill>
+              </a14:hiddenFill>
+            </a:ext>
+            <a:ext uri="{91240B29-F687-4F45-9708-019B960494DF}">
+              <a14:hiddenLine xmlns:a14="http://schemas.microsoft.com/office/drawing/2010/main" w="9525">
+                <a:solidFill>
+                  <a:schemeClr val="tx1"/>
+                </a:solidFill>
+                <a:miter lim="800000"/>
+                <a:headEnd/>
+                <a:tailEnd/>
+              </a14:hiddenLine>
+            </a:ext>
+          </a:extLst>
+        </p:spPr>
+      </p:pic>
+    </p:spTree>
+    <p:extLst>
+      <p:ext uri="{BB962C8B-B14F-4D97-AF65-F5344CB8AC3E}">
+        <p14:creationId xmlns:p14="http://schemas.microsoft.com/office/powerpoint/2010/main" val="518051848"/>
+      </p:ext>
+    </p:extLst>
+  </p:cSld>
+  <p:clrMapOvr>
+    <a:masterClrMapping/>
+  </p:clrMapOvr>
+</p:sld>
+</file>
+
+<file path=ppt/slides/slide3.xml><?xml version="1.0" encoding="utf-8"?>
+<p:sld xmlns:a="http://schemas.openxmlformats.org/drawingml/2006/main" xmlns:r="http://schemas.openxmlformats.org/officeDocument/2006/relationships" xmlns:p="http://schemas.openxmlformats.org/presentationml/2006/main">
+  <p:cSld>
+    <p:spTree>
+      <p:nvGrpSpPr>
+        <p:cNvPr id="1" name=""/>
+        <p:cNvGrpSpPr/>
+        <p:nvPr/>
+      </p:nvGrpSpPr>
+      <p:grpSpPr>
+        <a:xfrm>
+          <a:off x="0" y="0"/>
+          <a:ext cx="0" cy="0"/>
+          <a:chOff x="0" y="0"/>
+          <a:chExt cx="0" cy="0"/>
+        </a:xfrm>
+      </p:grpSpPr>
+      <p:grpSp>
+        <p:nvGrpSpPr>
+          <p:cNvPr id="23" name="Groupe 22"/>
+          <p:cNvGrpSpPr/>
+          <p:nvPr/>
+        </p:nvGrpSpPr>
+        <p:grpSpPr>
+          <a:xfrm>
+            <a:off x="467544" y="400845"/>
+            <a:ext cx="7843130" cy="4438973"/>
+            <a:chOff x="467544" y="400845"/>
+            <a:chExt cx="7843130" cy="4438973"/>
+          </a:xfrm>
+        </p:grpSpPr>
+        <p:grpSp>
+          <p:nvGrpSpPr>
+            <p:cNvPr id="22" name="Groupe 21"/>
+            <p:cNvGrpSpPr/>
+            <p:nvPr/>
+          </p:nvGrpSpPr>
+          <p:grpSpPr>
+            <a:xfrm>
+              <a:off x="1473638" y="2259392"/>
+              <a:ext cx="6283450" cy="2580426"/>
+              <a:chOff x="755655" y="2363269"/>
+              <a:chExt cx="6283450" cy="2580426"/>
+            </a:xfrm>
+          </p:grpSpPr>
+          <p:pic>
+            <p:nvPicPr>
+              <p:cNvPr id="1026" name="Picture 2"/>
+              <p:cNvPicPr>
+                <a:picLocks noChangeAspect="1" noChangeArrowheads="1"/>
+              </p:cNvPicPr>
+              <p:nvPr/>
+            </p:nvPicPr>
+            <p:blipFill rotWithShape="1">
+              <a:blip r:embed="rId2">
+                <a:extLst>
+                  <a:ext uri="{28A0092B-C50C-407E-A947-70E740481C1C}">
+                    <a14:useLocalDpi xmlns:a14="http://schemas.microsoft.com/office/drawing/2010/main" val="0"/>
+                  </a:ext>
+                </a:extLst>
+              </a:blip>
+              <a:srcRect l="50000" t="3860" b="69360"/>
+              <a:stretch/>
+            </p:blipFill>
+            <p:spPr bwMode="auto">
+              <a:xfrm>
+                <a:off x="755655" y="2363269"/>
+                <a:ext cx="6283450" cy="2580426"/>
+              </a:xfrm>
+              <a:prstGeom prst="rect">
+                <a:avLst/>
+              </a:prstGeom>
+              <a:noFill/>
+              <a:ln>
+                <a:noFill/>
+              </a:ln>
+              <a:extLst>
+                <a:ext uri="{909E8E84-426E-40DD-AFC4-6F175D3DCCD1}">
+                  <a14:hiddenFill xmlns:a14="http://schemas.microsoft.com/office/drawing/2010/main">
+                    <a:solidFill>
+                      <a:schemeClr val="accent1"/>
+                    </a:solidFill>
+                  </a14:hiddenFill>
+                </a:ext>
+                <a:ext uri="{91240B29-F687-4F45-9708-019B960494DF}">
+                  <a14:hiddenLine xmlns:a14="http://schemas.microsoft.com/office/drawing/2010/main" w="9525">
+                    <a:solidFill>
+                      <a:schemeClr val="tx1"/>
+                    </a:solidFill>
+                    <a:miter lim="800000"/>
+                    <a:headEnd/>
+                    <a:tailEnd/>
+                  </a14:hiddenLine>
+                </a:ext>
+              </a:extLst>
+            </p:spPr>
+          </p:pic>
+          <p:sp>
+            <p:nvSpPr>
+              <p:cNvPr id="3" name="Rectangle 2"/>
+              <p:cNvSpPr/>
+              <p:nvPr/>
+            </p:nvSpPr>
+            <p:spPr>
+              <a:xfrm>
+                <a:off x="2093285" y="2432544"/>
+                <a:ext cx="504056" cy="504056"/>
+              </a:xfrm>
+              <a:prstGeom prst="rect">
+                <a:avLst/>
+              </a:prstGeom>
+              <a:noFill/>
+              <a:ln w="38100">
+                <a:solidFill>
+                  <a:srgbClr val="FF0000"/>
+                </a:solidFill>
+                <a:prstDash val="sysDash"/>
+              </a:ln>
+            </p:spPr>
+            <p:style>
+              <a:lnRef idx="2">
+                <a:schemeClr val="accent1">
+                  <a:shade val="50000"/>
+                </a:schemeClr>
+              </a:lnRef>
+              <a:fillRef idx="1">
+                <a:schemeClr val="accent1"/>
+              </a:fillRef>
+              <a:effectRef idx="0">
+                <a:schemeClr val="accent1"/>
+              </a:effectRef>
+              <a:fontRef idx="minor">
+                <a:schemeClr val="lt1"/>
+              </a:fontRef>
+            </p:style>
+            <p:txBody>
+              <a:bodyPr rtlCol="0" anchor="ctr"/>
+              <a:lstStyle/>
+              <a:p>
+                <a:pPr algn="ctr"/>
+                <a:endParaRPr lang="fr-FR"/>
+              </a:p>
+            </p:txBody>
+          </p:sp>
+          <p:sp>
+            <p:nvSpPr>
+              <p:cNvPr id="4" name="Rectangle 3"/>
+              <p:cNvSpPr/>
+              <p:nvPr/>
+            </p:nvSpPr>
+            <p:spPr>
+              <a:xfrm>
+                <a:off x="3719736" y="2437476"/>
+                <a:ext cx="504056" cy="504056"/>
+              </a:xfrm>
+              <a:prstGeom prst="rect">
+                <a:avLst/>
+              </a:prstGeom>
+              <a:noFill/>
+              <a:ln w="38100">
+                <a:solidFill>
+                  <a:srgbClr val="00B050"/>
+                </a:solidFill>
+                <a:prstDash val="sysDash"/>
+              </a:ln>
+            </p:spPr>
+            <p:style>
+              <a:lnRef idx="2">
+                <a:schemeClr val="accent1">
+                  <a:shade val="50000"/>
+                </a:schemeClr>
+              </a:lnRef>
+              <a:fillRef idx="1">
+                <a:schemeClr val="accent1"/>
+              </a:fillRef>
+              <a:effectRef idx="0">
+                <a:schemeClr val="accent1"/>
+              </a:effectRef>
+              <a:fontRef idx="minor">
+                <a:schemeClr val="lt1"/>
+              </a:fontRef>
+            </p:style>
+            <p:txBody>
+              <a:bodyPr rtlCol="0" anchor="ctr"/>
+              <a:lstStyle/>
+              <a:p>
+                <a:pPr algn="ctr"/>
+                <a:endParaRPr lang="fr-FR"/>
+              </a:p>
+            </p:txBody>
+          </p:sp>
+          <p:sp>
+            <p:nvSpPr>
+              <p:cNvPr id="5" name="Rectangle 4"/>
+              <p:cNvSpPr/>
+              <p:nvPr/>
+            </p:nvSpPr>
+            <p:spPr>
+              <a:xfrm>
+                <a:off x="4211960" y="2437476"/>
+                <a:ext cx="504056" cy="504056"/>
+              </a:xfrm>
+              <a:prstGeom prst="rect">
+                <a:avLst/>
+              </a:prstGeom>
+              <a:noFill/>
+              <a:ln w="38100">
+                <a:solidFill>
+                  <a:srgbClr val="00B0F0"/>
+                </a:solidFill>
+                <a:prstDash val="sysDash"/>
+              </a:ln>
+            </p:spPr>
+            <p:style>
+              <a:lnRef idx="2">
+                <a:schemeClr val="accent1">
+                  <a:shade val="50000"/>
+                </a:schemeClr>
+              </a:lnRef>
+              <a:fillRef idx="1">
+                <a:schemeClr val="accent1"/>
+              </a:fillRef>
+              <a:effectRef idx="0">
+                <a:schemeClr val="accent1"/>
+              </a:effectRef>
+              <a:fontRef idx="minor">
+                <a:schemeClr val="lt1"/>
+              </a:fontRef>
+            </p:style>
+            <p:txBody>
+              <a:bodyPr rtlCol="0" anchor="ctr"/>
+              <a:lstStyle/>
+              <a:p>
+                <a:pPr algn="ctr"/>
+                <a:endParaRPr lang="fr-FR"/>
+              </a:p>
+            </p:txBody>
+          </p:sp>
+        </p:grpSp>
+        <p:grpSp>
+          <p:nvGrpSpPr>
+            <p:cNvPr id="11" name="Groupe 10"/>
+            <p:cNvGrpSpPr/>
+            <p:nvPr/>
+          </p:nvGrpSpPr>
+          <p:grpSpPr>
+            <a:xfrm>
+              <a:off x="467544" y="400845"/>
+              <a:ext cx="2749239" cy="1815882"/>
+              <a:chOff x="467544" y="400845"/>
+              <a:chExt cx="2749239" cy="1815882"/>
+            </a:xfrm>
+          </p:grpSpPr>
+          <p:sp>
+            <p:nvSpPr>
+              <p:cNvPr id="2" name="ZoneTexte 1"/>
+              <p:cNvSpPr txBox="1"/>
+              <p:nvPr/>
+            </p:nvSpPr>
+            <p:spPr>
+              <a:xfrm>
+                <a:off x="496679" y="400845"/>
+                <a:ext cx="2720104" cy="1815882"/>
+              </a:xfrm>
+              <a:prstGeom prst="rect">
+                <a:avLst/>
+              </a:prstGeom>
+              <a:noFill/>
+            </p:spPr>
+            <p:txBody>
+              <a:bodyPr wrap="none" rtlCol="0">
+                <a:spAutoFit/>
+              </a:bodyPr>
+              <a:lstStyle/>
+              <a:p>
+                <a:r>
+                  <a:rPr lang="fr-FR" sz="1600" b="1" dirty="0" smtClean="0"/>
+                  <a:t>Choix des courbes à afficher : </a:t>
+                </a:r>
+              </a:p>
+              <a:p>
+                <a:pPr marL="285750" indent="-285750">
+                  <a:buFont typeface="Arial" panose="020B0604020202020204" pitchFamily="34" charset="0"/>
+                  <a:buChar char="•"/>
+                </a:pPr>
+                <a:r>
+                  <a:rPr lang="fr-FR" sz="1600" dirty="0"/>
+                  <a:t>c</a:t>
+                </a:r>
+                <a:r>
+                  <a:rPr lang="fr-FR" sz="1600" dirty="0" smtClean="0"/>
+                  <a:t>onsigne de position;</a:t>
+                </a:r>
+              </a:p>
+              <a:p>
+                <a:pPr marL="285750" indent="-285750">
+                  <a:buFont typeface="Arial" panose="020B0604020202020204" pitchFamily="34" charset="0"/>
+                  <a:buChar char="•"/>
+                </a:pPr>
+                <a:r>
+                  <a:rPr lang="fr-FR" sz="1600" dirty="0"/>
+                  <a:t>p</a:t>
+                </a:r>
+                <a:r>
+                  <a:rPr lang="fr-FR" sz="1600" dirty="0" smtClean="0"/>
+                  <a:t>osition moteur;</a:t>
+                </a:r>
+              </a:p>
+              <a:p>
+                <a:pPr marL="285750" indent="-285750">
+                  <a:buFont typeface="Arial" panose="020B0604020202020204" pitchFamily="34" charset="0"/>
+                  <a:buChar char="•"/>
+                </a:pPr>
+                <a:r>
+                  <a:rPr lang="fr-FR" sz="1600" dirty="0"/>
+                  <a:t>c</a:t>
+                </a:r>
+                <a:r>
+                  <a:rPr lang="fr-FR" sz="1600" dirty="0" smtClean="0"/>
+                  <a:t>onsigne de vitesse;</a:t>
+                </a:r>
+              </a:p>
+              <a:p>
+                <a:pPr marL="285750" indent="-285750">
+                  <a:buFont typeface="Arial" panose="020B0604020202020204" pitchFamily="34" charset="0"/>
+                  <a:buChar char="•"/>
+                </a:pPr>
+                <a:r>
+                  <a:rPr lang="fr-FR" sz="1600" dirty="0"/>
+                  <a:t>v</a:t>
+                </a:r>
+                <a:r>
+                  <a:rPr lang="fr-FR" sz="1600" dirty="0" smtClean="0"/>
+                  <a:t>itesse moteur;</a:t>
+                </a:r>
+              </a:p>
+              <a:p>
+                <a:pPr marL="285750" indent="-285750">
+                  <a:buFont typeface="Arial" panose="020B0604020202020204" pitchFamily="34" charset="0"/>
+                  <a:buChar char="•"/>
+                </a:pPr>
+                <a:r>
+                  <a:rPr lang="fr-FR" sz="1600" dirty="0"/>
+                  <a:t>c</a:t>
+                </a:r>
+                <a:r>
+                  <a:rPr lang="fr-FR" sz="1600" dirty="0" smtClean="0"/>
+                  <a:t>onsigne de courant;</a:t>
+                </a:r>
+              </a:p>
+              <a:p>
+                <a:pPr marL="285750" indent="-285750">
+                  <a:buFont typeface="Arial" panose="020B0604020202020204" pitchFamily="34" charset="0"/>
+                  <a:buChar char="•"/>
+                </a:pPr>
+                <a:r>
+                  <a:rPr lang="fr-FR" sz="1600" dirty="0" smtClean="0"/>
+                  <a:t>courant moteur.</a:t>
+                </a:r>
+              </a:p>
+            </p:txBody>
+          </p:sp>
+          <p:cxnSp>
+            <p:nvCxnSpPr>
+              <p:cNvPr id="7" name="Connecteur droit 6"/>
+              <p:cNvCxnSpPr/>
+              <p:nvPr/>
+            </p:nvCxnSpPr>
+            <p:spPr>
+              <a:xfrm>
+                <a:off x="467544" y="478784"/>
+                <a:ext cx="0" cy="1660003"/>
+              </a:xfrm>
+              <a:prstGeom prst="line">
+                <a:avLst/>
+              </a:prstGeom>
+              <a:noFill/>
+              <a:ln w="38100">
+                <a:solidFill>
+                  <a:srgbClr val="FF0000"/>
+                </a:solidFill>
+                <a:prstDash val="sysDash"/>
+              </a:ln>
+            </p:spPr>
+            <p:style>
+              <a:lnRef idx="2">
+                <a:schemeClr val="accent1">
+                  <a:shade val="50000"/>
+                </a:schemeClr>
+              </a:lnRef>
+              <a:fillRef idx="1">
+                <a:schemeClr val="accent1"/>
+              </a:fillRef>
+              <a:effectRef idx="0">
+                <a:schemeClr val="accent1"/>
+              </a:effectRef>
+              <a:fontRef idx="minor">
+                <a:schemeClr val="lt1"/>
+              </a:fontRef>
+            </p:style>
+          </p:cxnSp>
+        </p:grpSp>
+        <p:grpSp>
+          <p:nvGrpSpPr>
+            <p:cNvPr id="12" name="Groupe 11"/>
+            <p:cNvGrpSpPr/>
+            <p:nvPr/>
+          </p:nvGrpSpPr>
+          <p:grpSpPr>
+            <a:xfrm>
+              <a:off x="3601605" y="647067"/>
+              <a:ext cx="2025734" cy="1323439"/>
+              <a:chOff x="3635896" y="515521"/>
+              <a:chExt cx="2025734" cy="1323439"/>
+            </a:xfrm>
+          </p:grpSpPr>
+          <p:sp>
+            <p:nvSpPr>
+              <p:cNvPr id="9" name="ZoneTexte 8"/>
+              <p:cNvSpPr txBox="1"/>
+              <p:nvPr/>
+            </p:nvSpPr>
+            <p:spPr>
+              <a:xfrm>
+                <a:off x="3637678" y="515521"/>
+                <a:ext cx="2023952" cy="1323439"/>
+              </a:xfrm>
+              <a:prstGeom prst="rect">
+                <a:avLst/>
+              </a:prstGeom>
+              <a:noFill/>
+            </p:spPr>
+            <p:txBody>
+              <a:bodyPr wrap="none" rtlCol="0">
+                <a:spAutoFit/>
+              </a:bodyPr>
+              <a:lstStyle/>
+              <a:p>
+                <a:r>
+                  <a:rPr lang="fr-FR" sz="1600" b="1" dirty="0" smtClean="0"/>
+                  <a:t>Sollicitation de l’axe : </a:t>
+                </a:r>
+              </a:p>
+              <a:p>
+                <a:pPr marL="285750" indent="-285750">
+                  <a:buFont typeface="Arial" panose="020B0604020202020204" pitchFamily="34" charset="0"/>
+                  <a:buChar char="•"/>
+                </a:pPr>
+                <a:r>
+                  <a:rPr lang="fr-FR" sz="1600" dirty="0" smtClean="0"/>
+                  <a:t>profil de position;</a:t>
+                </a:r>
+              </a:p>
+              <a:p>
+                <a:pPr marL="285750" indent="-285750">
+                  <a:buFont typeface="Arial" panose="020B0604020202020204" pitchFamily="34" charset="0"/>
+                  <a:buChar char="•"/>
+                </a:pPr>
+                <a:r>
+                  <a:rPr lang="fr-FR" sz="1600" dirty="0"/>
+                  <a:t>p</a:t>
+                </a:r>
+                <a:r>
+                  <a:rPr lang="fr-FR" sz="1600" dirty="0" smtClean="0"/>
+                  <a:t>osition;</a:t>
+                </a:r>
+              </a:p>
+              <a:p>
+                <a:pPr marL="285750" indent="-285750">
+                  <a:buFont typeface="Arial" panose="020B0604020202020204" pitchFamily="34" charset="0"/>
+                  <a:buChar char="•"/>
+                </a:pPr>
+                <a:r>
+                  <a:rPr lang="fr-FR" sz="1600" dirty="0"/>
+                  <a:t>v</a:t>
+                </a:r>
+                <a:r>
+                  <a:rPr lang="fr-FR" sz="1600" dirty="0" smtClean="0"/>
+                  <a:t>itesse;</a:t>
+                </a:r>
+              </a:p>
+              <a:p>
+                <a:pPr marL="285750" indent="-285750">
+                  <a:buFont typeface="Arial" panose="020B0604020202020204" pitchFamily="34" charset="0"/>
+                  <a:buChar char="•"/>
+                </a:pPr>
+                <a:r>
+                  <a:rPr lang="fr-FR" sz="1600" dirty="0"/>
+                  <a:t>c</a:t>
+                </a:r>
+                <a:r>
+                  <a:rPr lang="fr-FR" sz="1600" dirty="0" smtClean="0"/>
+                  <a:t>ourant.</a:t>
+                </a:r>
+              </a:p>
+            </p:txBody>
+          </p:sp>
+          <p:cxnSp>
+            <p:nvCxnSpPr>
+              <p:cNvPr id="13" name="Connecteur droit 12"/>
+              <p:cNvCxnSpPr/>
+              <p:nvPr/>
+            </p:nvCxnSpPr>
+            <p:spPr>
+              <a:xfrm>
+                <a:off x="3635896" y="515521"/>
+                <a:ext cx="0" cy="1323439"/>
+              </a:xfrm>
+              <a:prstGeom prst="line">
+                <a:avLst/>
+              </a:prstGeom>
+              <a:noFill/>
+              <a:ln w="38100">
+                <a:solidFill>
+                  <a:srgbClr val="00B050"/>
+                </a:solidFill>
+                <a:prstDash val="sysDash"/>
+              </a:ln>
+            </p:spPr>
+            <p:style>
+              <a:lnRef idx="2">
+                <a:schemeClr val="accent1">
+                  <a:shade val="50000"/>
+                </a:schemeClr>
+              </a:lnRef>
+              <a:fillRef idx="1">
+                <a:schemeClr val="accent1"/>
+              </a:fillRef>
+              <a:effectRef idx="0">
+                <a:schemeClr val="accent1"/>
+              </a:effectRef>
+              <a:fontRef idx="minor">
+                <a:schemeClr val="lt1"/>
+              </a:fontRef>
+            </p:style>
+          </p:cxnSp>
+        </p:grpSp>
+        <p:grpSp>
+          <p:nvGrpSpPr>
+            <p:cNvPr id="15" name="Groupe 14"/>
+            <p:cNvGrpSpPr/>
+            <p:nvPr/>
+          </p:nvGrpSpPr>
+          <p:grpSpPr>
+            <a:xfrm>
+              <a:off x="6012160" y="893288"/>
+              <a:ext cx="2298514" cy="830997"/>
+              <a:chOff x="3637678" y="515521"/>
+              <a:chExt cx="2298514" cy="830997"/>
+            </a:xfrm>
+          </p:grpSpPr>
+          <p:sp>
+            <p:nvSpPr>
+              <p:cNvPr id="16" name="ZoneTexte 15"/>
+              <p:cNvSpPr txBox="1"/>
+              <p:nvPr/>
+            </p:nvSpPr>
+            <p:spPr>
+              <a:xfrm>
+                <a:off x="3637678" y="515521"/>
+                <a:ext cx="2298514" cy="830997"/>
+              </a:xfrm>
+              <a:prstGeom prst="rect">
+                <a:avLst/>
+              </a:prstGeom>
+              <a:noFill/>
+            </p:spPr>
+            <p:txBody>
+              <a:bodyPr wrap="none" rtlCol="0">
+                <a:spAutoFit/>
+              </a:bodyPr>
+              <a:lstStyle/>
+              <a:p>
+                <a:r>
+                  <a:rPr lang="fr-FR" sz="1600" b="1" dirty="0" smtClean="0"/>
+                  <a:t>Paramètre Axe</a:t>
+                </a:r>
+              </a:p>
+              <a:p>
+                <a:pPr marL="285750" indent="-285750">
+                  <a:buFont typeface="Arial" panose="020B0604020202020204" pitchFamily="34" charset="0"/>
+                  <a:buChar char="•"/>
+                </a:pPr>
+                <a:r>
+                  <a:rPr lang="fr-FR" sz="1600" dirty="0" smtClean="0"/>
+                  <a:t>choix des correcteurs;</a:t>
+                </a:r>
+              </a:p>
+              <a:p>
+                <a:pPr marL="285750" indent="-285750">
+                  <a:buFont typeface="Arial" panose="020B0604020202020204" pitchFamily="34" charset="0"/>
+                  <a:buChar char="•"/>
+                </a:pPr>
+                <a:r>
+                  <a:rPr lang="fr-FR" sz="1600" dirty="0" smtClean="0"/>
+                  <a:t>Options de sécurité…</a:t>
+                </a:r>
+              </a:p>
+            </p:txBody>
+          </p:sp>
+          <p:cxnSp>
+            <p:nvCxnSpPr>
+              <p:cNvPr id="17" name="Connecteur droit 16"/>
+              <p:cNvCxnSpPr/>
+              <p:nvPr/>
+            </p:nvCxnSpPr>
+            <p:spPr>
+              <a:xfrm>
+                <a:off x="3637678" y="576048"/>
+                <a:ext cx="0" cy="770470"/>
+              </a:xfrm>
+              <a:prstGeom prst="line">
+                <a:avLst/>
+              </a:prstGeom>
+              <a:noFill/>
+              <a:ln w="38100">
+                <a:solidFill>
+                  <a:srgbClr val="00B0F0"/>
+                </a:solidFill>
+                <a:prstDash val="sysDash"/>
+              </a:ln>
+            </p:spPr>
+            <p:style>
+              <a:lnRef idx="2">
+                <a:schemeClr val="accent1">
+                  <a:shade val="50000"/>
+                </a:schemeClr>
+              </a:lnRef>
+              <a:fillRef idx="1">
+                <a:schemeClr val="accent1"/>
+              </a:fillRef>
+              <a:effectRef idx="0">
+                <a:schemeClr val="accent1"/>
+              </a:effectRef>
+              <a:fontRef idx="minor">
+                <a:schemeClr val="lt1"/>
+              </a:fontRef>
+            </p:style>
+          </p:cxnSp>
+        </p:grpSp>
+      </p:grpSp>
+    </p:spTree>
+    <p:extLst>
+      <p:ext uri="{BB962C8B-B14F-4D97-AF65-F5344CB8AC3E}">
+        <p14:creationId xmlns:p14="http://schemas.microsoft.com/office/powerpoint/2010/main" val="4149445214"/>
       </p:ext>
     </p:extLst>
   </p:cSld>
